--- a/Lesson 6 Presentasi/Lesson 6 Presentasi.pptx
+++ b/Lesson 6 Presentasi/Lesson 6 Presentasi.pptx
@@ -7,7 +7,12 @@
   <p:sldIdLst>
     <p:sldId id="256" r:id="rId2"/>
     <p:sldId id="257" r:id="rId3"/>
-    <p:sldId id="258" r:id="rId4"/>
+    <p:sldId id="259" r:id="rId4"/>
+    <p:sldId id="260" r:id="rId5"/>
+    <p:sldId id="261" r:id="rId6"/>
+    <p:sldId id="262" r:id="rId7"/>
+    <p:sldId id="263" r:id="rId8"/>
+    <p:sldId id="258" r:id="rId9"/>
   </p:sldIdLst>
   <p:sldSz cx="9144000" cy="6858000" type="screen4x3"/>
   <p:notesSz cx="6858000" cy="9144000"/>
@@ -290,7 +295,8 @@
           <a:p>
             <a:fld id="{D817A79A-4FE6-453A-A024-37333D95B947}" type="datetimeFigureOut">
               <a:rPr lang="en-SG" smtClean="0"/>
-              <a:t>25/2/2017</a:t>
+              <a:pPr/>
+              <a:t>1/3/2017</a:t>
             </a:fld>
             <a:endParaRPr lang="en-SG"/>
           </a:p>
@@ -332,6 +338,7 @@
           <a:p>
             <a:fld id="{1B6CD570-724C-4D1B-BEEA-0AAB0BB01FCF}" type="slidenum">
               <a:rPr lang="en-SG" smtClean="0"/>
+              <a:pPr/>
               <a:t>‹#›</a:t>
             </a:fld>
             <a:endParaRPr lang="en-SG"/>
@@ -341,7 +348,7 @@
     </p:spTree>
     <p:extLst>
       <p:ext uri="{BB962C8B-B14F-4D97-AF65-F5344CB8AC3E}">
-        <p14:creationId xmlns:p14="http://schemas.microsoft.com/office/powerpoint/2010/main" val="3618919388"/>
+        <p14:creationId xmlns:p14="http://schemas.microsoft.com/office/powerpoint/2010/main" xmlns="" val="3618919388"/>
       </p:ext>
     </p:extLst>
   </p:cSld>
@@ -460,7 +467,8 @@
           <a:p>
             <a:fld id="{D817A79A-4FE6-453A-A024-37333D95B947}" type="datetimeFigureOut">
               <a:rPr lang="en-SG" smtClean="0"/>
-              <a:t>25/2/2017</a:t>
+              <a:pPr/>
+              <a:t>1/3/2017</a:t>
             </a:fld>
             <a:endParaRPr lang="en-SG"/>
           </a:p>
@@ -502,6 +510,7 @@
           <a:p>
             <a:fld id="{1B6CD570-724C-4D1B-BEEA-0AAB0BB01FCF}" type="slidenum">
               <a:rPr lang="en-SG" smtClean="0"/>
+              <a:pPr/>
               <a:t>‹#›</a:t>
             </a:fld>
             <a:endParaRPr lang="en-SG"/>
@@ -511,7 +520,7 @@
     </p:spTree>
     <p:extLst>
       <p:ext uri="{BB962C8B-B14F-4D97-AF65-F5344CB8AC3E}">
-        <p14:creationId xmlns:p14="http://schemas.microsoft.com/office/powerpoint/2010/main" val="1219387652"/>
+        <p14:creationId xmlns:p14="http://schemas.microsoft.com/office/powerpoint/2010/main" xmlns="" val="1219387652"/>
       </p:ext>
     </p:extLst>
   </p:cSld>
@@ -640,7 +649,8 @@
           <a:p>
             <a:fld id="{D817A79A-4FE6-453A-A024-37333D95B947}" type="datetimeFigureOut">
               <a:rPr lang="en-SG" smtClean="0"/>
-              <a:t>25/2/2017</a:t>
+              <a:pPr/>
+              <a:t>1/3/2017</a:t>
             </a:fld>
             <a:endParaRPr lang="en-SG"/>
           </a:p>
@@ -682,6 +692,7 @@
           <a:p>
             <a:fld id="{1B6CD570-724C-4D1B-BEEA-0AAB0BB01FCF}" type="slidenum">
               <a:rPr lang="en-SG" smtClean="0"/>
+              <a:pPr/>
               <a:t>‹#›</a:t>
             </a:fld>
             <a:endParaRPr lang="en-SG"/>
@@ -691,7 +702,7 @@
     </p:spTree>
     <p:extLst>
       <p:ext uri="{BB962C8B-B14F-4D97-AF65-F5344CB8AC3E}">
-        <p14:creationId xmlns:p14="http://schemas.microsoft.com/office/powerpoint/2010/main" val="1435848729"/>
+        <p14:creationId xmlns:p14="http://schemas.microsoft.com/office/powerpoint/2010/main" xmlns="" val="1435848729"/>
       </p:ext>
     </p:extLst>
   </p:cSld>
@@ -810,7 +821,8 @@
           <a:p>
             <a:fld id="{D817A79A-4FE6-453A-A024-37333D95B947}" type="datetimeFigureOut">
               <a:rPr lang="en-SG" smtClean="0"/>
-              <a:t>25/2/2017</a:t>
+              <a:pPr/>
+              <a:t>1/3/2017</a:t>
             </a:fld>
             <a:endParaRPr lang="en-SG"/>
           </a:p>
@@ -852,6 +864,7 @@
           <a:p>
             <a:fld id="{1B6CD570-724C-4D1B-BEEA-0AAB0BB01FCF}" type="slidenum">
               <a:rPr lang="en-SG" smtClean="0"/>
+              <a:pPr/>
               <a:t>‹#›</a:t>
             </a:fld>
             <a:endParaRPr lang="en-SG"/>
@@ -861,7 +874,7 @@
     </p:spTree>
     <p:extLst>
       <p:ext uri="{BB962C8B-B14F-4D97-AF65-F5344CB8AC3E}">
-        <p14:creationId xmlns:p14="http://schemas.microsoft.com/office/powerpoint/2010/main" val="2509815466"/>
+        <p14:creationId xmlns:p14="http://schemas.microsoft.com/office/powerpoint/2010/main" xmlns="" val="2509815466"/>
       </p:ext>
     </p:extLst>
   </p:cSld>
@@ -1056,7 +1069,8 @@
           <a:p>
             <a:fld id="{D817A79A-4FE6-453A-A024-37333D95B947}" type="datetimeFigureOut">
               <a:rPr lang="en-SG" smtClean="0"/>
-              <a:t>25/2/2017</a:t>
+              <a:pPr/>
+              <a:t>1/3/2017</a:t>
             </a:fld>
             <a:endParaRPr lang="en-SG"/>
           </a:p>
@@ -1098,6 +1112,7 @@
           <a:p>
             <a:fld id="{1B6CD570-724C-4D1B-BEEA-0AAB0BB01FCF}" type="slidenum">
               <a:rPr lang="en-SG" smtClean="0"/>
+              <a:pPr/>
               <a:t>‹#›</a:t>
             </a:fld>
             <a:endParaRPr lang="en-SG"/>
@@ -1107,7 +1122,7 @@
     </p:spTree>
     <p:extLst>
       <p:ext uri="{BB962C8B-B14F-4D97-AF65-F5344CB8AC3E}">
-        <p14:creationId xmlns:p14="http://schemas.microsoft.com/office/powerpoint/2010/main" val="2829980059"/>
+        <p14:creationId xmlns:p14="http://schemas.microsoft.com/office/powerpoint/2010/main" xmlns="" val="2829980059"/>
       </p:ext>
     </p:extLst>
   </p:cSld>
@@ -1344,7 +1359,8 @@
           <a:p>
             <a:fld id="{D817A79A-4FE6-453A-A024-37333D95B947}" type="datetimeFigureOut">
               <a:rPr lang="en-SG" smtClean="0"/>
-              <a:t>25/2/2017</a:t>
+              <a:pPr/>
+              <a:t>1/3/2017</a:t>
             </a:fld>
             <a:endParaRPr lang="en-SG"/>
           </a:p>
@@ -1386,6 +1402,7 @@
           <a:p>
             <a:fld id="{1B6CD570-724C-4D1B-BEEA-0AAB0BB01FCF}" type="slidenum">
               <a:rPr lang="en-SG" smtClean="0"/>
+              <a:pPr/>
               <a:t>‹#›</a:t>
             </a:fld>
             <a:endParaRPr lang="en-SG"/>
@@ -1395,7 +1412,7 @@
     </p:spTree>
     <p:extLst>
       <p:ext uri="{BB962C8B-B14F-4D97-AF65-F5344CB8AC3E}">
-        <p14:creationId xmlns:p14="http://schemas.microsoft.com/office/powerpoint/2010/main" val="3127168752"/>
+        <p14:creationId xmlns:p14="http://schemas.microsoft.com/office/powerpoint/2010/main" xmlns="" val="3127168752"/>
       </p:ext>
     </p:extLst>
   </p:cSld>
@@ -1766,7 +1783,8 @@
           <a:p>
             <a:fld id="{D817A79A-4FE6-453A-A024-37333D95B947}" type="datetimeFigureOut">
               <a:rPr lang="en-SG" smtClean="0"/>
-              <a:t>25/2/2017</a:t>
+              <a:pPr/>
+              <a:t>1/3/2017</a:t>
             </a:fld>
             <a:endParaRPr lang="en-SG"/>
           </a:p>
@@ -1808,6 +1826,7 @@
           <a:p>
             <a:fld id="{1B6CD570-724C-4D1B-BEEA-0AAB0BB01FCF}" type="slidenum">
               <a:rPr lang="en-SG" smtClean="0"/>
+              <a:pPr/>
               <a:t>‹#›</a:t>
             </a:fld>
             <a:endParaRPr lang="en-SG"/>
@@ -1817,7 +1836,7 @@
     </p:spTree>
     <p:extLst>
       <p:ext uri="{BB962C8B-B14F-4D97-AF65-F5344CB8AC3E}">
-        <p14:creationId xmlns:p14="http://schemas.microsoft.com/office/powerpoint/2010/main" val="751613003"/>
+        <p14:creationId xmlns:p14="http://schemas.microsoft.com/office/powerpoint/2010/main" xmlns="" val="751613003"/>
       </p:ext>
     </p:extLst>
   </p:cSld>
@@ -1884,7 +1903,8 @@
           <a:p>
             <a:fld id="{D817A79A-4FE6-453A-A024-37333D95B947}" type="datetimeFigureOut">
               <a:rPr lang="en-SG" smtClean="0"/>
-              <a:t>25/2/2017</a:t>
+              <a:pPr/>
+              <a:t>1/3/2017</a:t>
             </a:fld>
             <a:endParaRPr lang="en-SG"/>
           </a:p>
@@ -1926,6 +1946,7 @@
           <a:p>
             <a:fld id="{1B6CD570-724C-4D1B-BEEA-0AAB0BB01FCF}" type="slidenum">
               <a:rPr lang="en-SG" smtClean="0"/>
+              <a:pPr/>
               <a:t>‹#›</a:t>
             </a:fld>
             <a:endParaRPr lang="en-SG"/>
@@ -1935,7 +1956,7 @@
     </p:spTree>
     <p:extLst>
       <p:ext uri="{BB962C8B-B14F-4D97-AF65-F5344CB8AC3E}">
-        <p14:creationId xmlns:p14="http://schemas.microsoft.com/office/powerpoint/2010/main" val="3200157352"/>
+        <p14:creationId xmlns:p14="http://schemas.microsoft.com/office/powerpoint/2010/main" xmlns="" val="3200157352"/>
       </p:ext>
     </p:extLst>
   </p:cSld>
@@ -1979,7 +2000,8 @@
           <a:p>
             <a:fld id="{D817A79A-4FE6-453A-A024-37333D95B947}" type="datetimeFigureOut">
               <a:rPr lang="en-SG" smtClean="0"/>
-              <a:t>25/2/2017</a:t>
+              <a:pPr/>
+              <a:t>1/3/2017</a:t>
             </a:fld>
             <a:endParaRPr lang="en-SG"/>
           </a:p>
@@ -2021,6 +2043,7 @@
           <a:p>
             <a:fld id="{1B6CD570-724C-4D1B-BEEA-0AAB0BB01FCF}" type="slidenum">
               <a:rPr lang="en-SG" smtClean="0"/>
+              <a:pPr/>
               <a:t>‹#›</a:t>
             </a:fld>
             <a:endParaRPr lang="en-SG"/>
@@ -2030,7 +2053,7 @@
     </p:spTree>
     <p:extLst>
       <p:ext uri="{BB962C8B-B14F-4D97-AF65-F5344CB8AC3E}">
-        <p14:creationId xmlns:p14="http://schemas.microsoft.com/office/powerpoint/2010/main" val="767274267"/>
+        <p14:creationId xmlns:p14="http://schemas.microsoft.com/office/powerpoint/2010/main" xmlns="" val="767274267"/>
       </p:ext>
     </p:extLst>
   </p:cSld>
@@ -2256,7 +2279,8 @@
           <a:p>
             <a:fld id="{D817A79A-4FE6-453A-A024-37333D95B947}" type="datetimeFigureOut">
               <a:rPr lang="en-SG" smtClean="0"/>
-              <a:t>25/2/2017</a:t>
+              <a:pPr/>
+              <a:t>1/3/2017</a:t>
             </a:fld>
             <a:endParaRPr lang="en-SG"/>
           </a:p>
@@ -2298,6 +2322,7 @@
           <a:p>
             <a:fld id="{1B6CD570-724C-4D1B-BEEA-0AAB0BB01FCF}" type="slidenum">
               <a:rPr lang="en-SG" smtClean="0"/>
+              <a:pPr/>
               <a:t>‹#›</a:t>
             </a:fld>
             <a:endParaRPr lang="en-SG"/>
@@ -2307,7 +2332,7 @@
     </p:spTree>
     <p:extLst>
       <p:ext uri="{BB962C8B-B14F-4D97-AF65-F5344CB8AC3E}">
-        <p14:creationId xmlns:p14="http://schemas.microsoft.com/office/powerpoint/2010/main" val="1812196380"/>
+        <p14:creationId xmlns:p14="http://schemas.microsoft.com/office/powerpoint/2010/main" xmlns="" val="1812196380"/>
       </p:ext>
     </p:extLst>
   </p:cSld>
@@ -2509,7 +2534,8 @@
           <a:p>
             <a:fld id="{D817A79A-4FE6-453A-A024-37333D95B947}" type="datetimeFigureOut">
               <a:rPr lang="en-SG" smtClean="0"/>
-              <a:t>25/2/2017</a:t>
+              <a:pPr/>
+              <a:t>1/3/2017</a:t>
             </a:fld>
             <a:endParaRPr lang="en-SG"/>
           </a:p>
@@ -2551,6 +2577,7 @@
           <a:p>
             <a:fld id="{1B6CD570-724C-4D1B-BEEA-0AAB0BB01FCF}" type="slidenum">
               <a:rPr lang="en-SG" smtClean="0"/>
+              <a:pPr/>
               <a:t>‹#›</a:t>
             </a:fld>
             <a:endParaRPr lang="en-SG"/>
@@ -2560,7 +2587,7 @@
     </p:spTree>
     <p:extLst>
       <p:ext uri="{BB962C8B-B14F-4D97-AF65-F5344CB8AC3E}">
-        <p14:creationId xmlns:p14="http://schemas.microsoft.com/office/powerpoint/2010/main" val="2896167383"/>
+        <p14:creationId xmlns:p14="http://schemas.microsoft.com/office/powerpoint/2010/main" xmlns="" val="2896167383"/>
       </p:ext>
     </p:extLst>
   </p:cSld>
@@ -2576,7 +2603,7 @@
     <p:bg>
       <p:bgPr>
         <a:blipFill dpi="0" rotWithShape="1">
-          <a:blip r:embed="rId13">
+          <a:blip r:embed="rId13" cstate="print">
             <a:alphaModFix amt="30000"/>
             <a:lum/>
           </a:blip>
@@ -2732,7 +2759,8 @@
           <a:p>
             <a:fld id="{D817A79A-4FE6-453A-A024-37333D95B947}" type="datetimeFigureOut">
               <a:rPr lang="en-SG" smtClean="0"/>
-              <a:t>25/2/2017</a:t>
+              <a:pPr/>
+              <a:t>1/3/2017</a:t>
             </a:fld>
             <a:endParaRPr lang="en-SG"/>
           </a:p>
@@ -2810,6 +2838,7 @@
           <a:p>
             <a:fld id="{1B6CD570-724C-4D1B-BEEA-0AAB0BB01FCF}" type="slidenum">
               <a:rPr lang="en-SG" smtClean="0"/>
+              <a:pPr/>
               <a:t>‹#›</a:t>
             </a:fld>
             <a:endParaRPr lang="en-SG"/>
@@ -2819,7 +2848,7 @@
     </p:spTree>
     <p:extLst>
       <p:ext uri="{BB962C8B-B14F-4D97-AF65-F5344CB8AC3E}">
-        <p14:creationId xmlns:p14="http://schemas.microsoft.com/office/powerpoint/2010/main" val="2814200744"/>
+        <p14:creationId xmlns:p14="http://schemas.microsoft.com/office/powerpoint/2010/main" xmlns="" val="2814200744"/>
       </p:ext>
     </p:extLst>
   </p:cSld>
@@ -3133,19 +3162,13 @@
               <a:rPr lang="en-SG" sz="5400" b="1" dirty="0" err="1" smtClean="0">
                 <a:latin typeface="Century Gothic" panose="020B0502020202020204" pitchFamily="34" charset="0"/>
               </a:rPr>
-              <a:t>Presentasi</a:t>
+              <a:t>Shifaa</a:t>
             </a:r>
             <a:r>
               <a:rPr lang="en-SG" sz="5400" b="1" dirty="0" smtClean="0">
                 <a:latin typeface="Century Gothic" panose="020B0502020202020204" pitchFamily="34" charset="0"/>
               </a:rPr>
-              <a:t> </a:t>
-            </a:r>
-            <a:r>
-              <a:rPr lang="en-SG" sz="5400" b="1" dirty="0" err="1" smtClean="0">
-                <a:latin typeface="Century Gothic" panose="020B0502020202020204" pitchFamily="34" charset="0"/>
-              </a:rPr>
-              <a:t>Proyek</a:t>
+              <a:t> Cellular</a:t>
             </a:r>
             <a:endParaRPr lang="en-SG" sz="5400" b="1" dirty="0">
               <a:latin typeface="Century Gothic" panose="020B0502020202020204" pitchFamily="34" charset="0"/>
@@ -3174,11 +3197,38 @@
           <a:lstStyle/>
           <a:p>
             <a:r>
+              <a:rPr lang="en-SG" dirty="0" err="1" smtClean="0">
+                <a:latin typeface="Century Gothic" panose="020B0502020202020204" pitchFamily="34" charset="0"/>
+              </a:rPr>
+              <a:t>Oleh</a:t>
+            </a:r>
+            <a:r>
               <a:rPr lang="en-SG" dirty="0" smtClean="0">
                 <a:latin typeface="Century Gothic" panose="020B0502020202020204" pitchFamily="34" charset="0"/>
               </a:rPr>
-              <a:t>Lesson 6 (26 Feb 2017)</a:t>
-            </a:r>
+              <a:t>: </a:t>
+            </a:r>
+            <a:r>
+              <a:rPr lang="en-SG" dirty="0" err="1" smtClean="0">
+                <a:latin typeface="Century Gothic" panose="020B0502020202020204" pitchFamily="34" charset="0"/>
+              </a:rPr>
+              <a:t>Yayuk</a:t>
+            </a:r>
+            <a:r>
+              <a:rPr lang="en-SG" dirty="0" smtClean="0">
+                <a:latin typeface="Century Gothic" panose="020B0502020202020204" pitchFamily="34" charset="0"/>
+              </a:rPr>
+              <a:t> </a:t>
+            </a:r>
+            <a:r>
+              <a:rPr lang="en-SG" dirty="0" err="1" smtClean="0">
+                <a:latin typeface="Century Gothic" panose="020B0502020202020204" pitchFamily="34" charset="0"/>
+              </a:rPr>
+              <a:t>Wahyuni</a:t>
+            </a:r>
+            <a:endParaRPr lang="en-SG" dirty="0" smtClean="0">
+              <a:latin typeface="Century Gothic" panose="020B0502020202020204" pitchFamily="34" charset="0"/>
+            </a:endParaRPr>
           </a:p>
           <a:p>
             <a:r>
@@ -3202,10 +3252,10 @@
           <p:nvPr/>
         </p:nvPicPr>
         <p:blipFill>
-          <a:blip r:embed="rId2">
+          <a:blip r:embed="rId2" cstate="print">
             <a:extLst>
               <a:ext uri="{28A0092B-C50C-407E-A947-70E740481C1C}">
-                <a14:useLocalDpi xmlns:a14="http://schemas.microsoft.com/office/drawing/2010/main" val="0"/>
+                <a14:useLocalDpi xmlns:a14="http://schemas.microsoft.com/office/drawing/2010/main" xmlns="" val="0"/>
               </a:ext>
             </a:extLst>
           </a:blip>
@@ -3228,14 +3278,14 @@
           </a:ln>
           <a:extLst>
             <a:ext uri="{909E8E84-426E-40DD-AFC4-6F175D3DCCD1}">
-              <a14:hiddenFill xmlns:a14="http://schemas.microsoft.com/office/drawing/2010/main">
+              <a14:hiddenFill xmlns:a14="http://schemas.microsoft.com/office/drawing/2010/main" xmlns="">
                 <a:solidFill>
                   <a:schemeClr val="accent1"/>
                 </a:solidFill>
               </a14:hiddenFill>
             </a:ext>
             <a:ext uri="{91240B29-F687-4F45-9708-019B960494DF}">
-              <a14:hiddenLine xmlns:a14="http://schemas.microsoft.com/office/drawing/2010/main" w="9525">
+              <a14:hiddenLine xmlns:a14="http://schemas.microsoft.com/office/drawing/2010/main" xmlns="" w="9525">
                 <a:solidFill>
                   <a:schemeClr val="tx1"/>
                 </a:solidFill>
@@ -3250,7 +3300,7 @@
     </p:spTree>
     <p:extLst>
       <p:ext uri="{BB962C8B-B14F-4D97-AF65-F5344CB8AC3E}">
-        <p14:creationId xmlns:p14="http://schemas.microsoft.com/office/powerpoint/2010/main" val="1554175982"/>
+        <p14:creationId xmlns:p14="http://schemas.microsoft.com/office/powerpoint/2010/main" xmlns="" val="1554175982"/>
       </p:ext>
     </p:extLst>
   </p:cSld>
@@ -3513,10 +3563,10 @@
           <p:nvPr/>
         </p:nvPicPr>
         <p:blipFill>
-          <a:blip r:embed="rId2">
+          <a:blip r:embed="rId2" cstate="print">
             <a:extLst>
               <a:ext uri="{28A0092B-C50C-407E-A947-70E740481C1C}">
-                <a14:useLocalDpi xmlns:a14="http://schemas.microsoft.com/office/drawing/2010/main" val="0"/>
+                <a14:useLocalDpi xmlns:a14="http://schemas.microsoft.com/office/drawing/2010/main" xmlns="" val="0"/>
               </a:ext>
             </a:extLst>
           </a:blip>
@@ -3539,14 +3589,14 @@
           </a:ln>
           <a:extLst>
             <a:ext uri="{909E8E84-426E-40DD-AFC4-6F175D3DCCD1}">
-              <a14:hiddenFill xmlns:a14="http://schemas.microsoft.com/office/drawing/2010/main">
+              <a14:hiddenFill xmlns:a14="http://schemas.microsoft.com/office/drawing/2010/main" xmlns="">
                 <a:solidFill>
                   <a:schemeClr val="accent1"/>
                 </a:solidFill>
               </a14:hiddenFill>
             </a:ext>
             <a:ext uri="{91240B29-F687-4F45-9708-019B960494DF}">
-              <a14:hiddenLine xmlns:a14="http://schemas.microsoft.com/office/drawing/2010/main" w="9525">
+              <a14:hiddenLine xmlns:a14="http://schemas.microsoft.com/office/drawing/2010/main" xmlns="" w="9525">
                 <a:solidFill>
                   <a:schemeClr val="tx1"/>
                 </a:solidFill>
@@ -3561,7 +3611,7 @@
     </p:spTree>
     <p:extLst>
       <p:ext uri="{BB962C8B-B14F-4D97-AF65-F5344CB8AC3E}">
-        <p14:creationId xmlns:p14="http://schemas.microsoft.com/office/powerpoint/2010/main" val="2357848729"/>
+        <p14:creationId xmlns:p14="http://schemas.microsoft.com/office/powerpoint/2010/main" xmlns="" val="2357848729"/>
       </p:ext>
     </p:extLst>
   </p:cSld>
@@ -3925,6 +3975,353 @@
           <a:bodyPr/>
           <a:lstStyle/>
           <a:p>
+            <a:r>
+              <a:rPr lang="en-US" dirty="0" err="1" smtClean="0"/>
+              <a:t>Latar</a:t>
+            </a:r>
+            <a:r>
+              <a:rPr lang="en-US" dirty="0" smtClean="0"/>
+              <a:t> </a:t>
+            </a:r>
+            <a:r>
+              <a:rPr lang="en-US" dirty="0" err="1" smtClean="0"/>
+              <a:t>Belakang</a:t>
+            </a:r>
+            <a:endParaRPr lang="en-SG" dirty="0"/>
+          </a:p>
+        </p:txBody>
+      </p:sp>
+      <p:sp>
+        <p:nvSpPr>
+          <p:cNvPr id="3" name="Content Placeholder 2"/>
+          <p:cNvSpPr>
+            <a:spLocks noGrp="1"/>
+          </p:cNvSpPr>
+          <p:nvPr>
+            <p:ph idx="1"/>
+          </p:nvPr>
+        </p:nvSpPr>
+        <p:spPr/>
+        <p:txBody>
+          <a:bodyPr/>
+          <a:lstStyle/>
+          <a:p>
+            <a:endParaRPr lang="en-SG"/>
+          </a:p>
+        </p:txBody>
+      </p:sp>
+    </p:spTree>
+  </p:cSld>
+  <p:clrMapOvr>
+    <a:masterClrMapping/>
+  </p:clrMapOvr>
+</p:sld>
+</file>
+
+<file path=ppt/slides/slide4.xml><?xml version="1.0" encoding="utf-8"?>
+<p:sld xmlns:a="http://schemas.openxmlformats.org/drawingml/2006/main" xmlns:r="http://schemas.openxmlformats.org/officeDocument/2006/relationships" xmlns:p="http://schemas.openxmlformats.org/presentationml/2006/main">
+  <p:cSld>
+    <p:spTree>
+      <p:nvGrpSpPr>
+        <p:cNvPr id="1" name=""/>
+        <p:cNvGrpSpPr/>
+        <p:nvPr/>
+      </p:nvGrpSpPr>
+      <p:grpSpPr>
+        <a:xfrm>
+          <a:off x="0" y="0"/>
+          <a:ext cx="0" cy="0"/>
+          <a:chOff x="0" y="0"/>
+          <a:chExt cx="0" cy="0"/>
+        </a:xfrm>
+      </p:grpSpPr>
+      <p:sp>
+        <p:nvSpPr>
+          <p:cNvPr id="2" name="Title 1"/>
+          <p:cNvSpPr>
+            <a:spLocks noGrp="1"/>
+          </p:cNvSpPr>
+          <p:nvPr>
+            <p:ph type="title"/>
+          </p:nvPr>
+        </p:nvSpPr>
+        <p:spPr/>
+        <p:txBody>
+          <a:bodyPr/>
+          <a:lstStyle/>
+          <a:p>
+            <a:r>
+              <a:rPr lang="en-US" dirty="0" err="1" smtClean="0"/>
+              <a:t>Tujuan</a:t>
+            </a:r>
+            <a:endParaRPr lang="en-SG" dirty="0"/>
+          </a:p>
+        </p:txBody>
+      </p:sp>
+      <p:sp>
+        <p:nvSpPr>
+          <p:cNvPr id="3" name="Content Placeholder 2"/>
+          <p:cNvSpPr>
+            <a:spLocks noGrp="1"/>
+          </p:cNvSpPr>
+          <p:nvPr>
+            <p:ph idx="1"/>
+          </p:nvPr>
+        </p:nvSpPr>
+        <p:spPr/>
+        <p:txBody>
+          <a:bodyPr/>
+          <a:lstStyle/>
+          <a:p>
+            <a:endParaRPr lang="en-SG"/>
+          </a:p>
+        </p:txBody>
+      </p:sp>
+    </p:spTree>
+  </p:cSld>
+  <p:clrMapOvr>
+    <a:masterClrMapping/>
+  </p:clrMapOvr>
+</p:sld>
+</file>
+
+<file path=ppt/slides/slide5.xml><?xml version="1.0" encoding="utf-8"?>
+<p:sld xmlns:a="http://schemas.openxmlformats.org/drawingml/2006/main" xmlns:r="http://schemas.openxmlformats.org/officeDocument/2006/relationships" xmlns:p="http://schemas.openxmlformats.org/presentationml/2006/main">
+  <p:cSld>
+    <p:spTree>
+      <p:nvGrpSpPr>
+        <p:cNvPr id="1" name=""/>
+        <p:cNvGrpSpPr/>
+        <p:nvPr/>
+      </p:nvGrpSpPr>
+      <p:grpSpPr>
+        <a:xfrm>
+          <a:off x="0" y="0"/>
+          <a:ext cx="0" cy="0"/>
+          <a:chOff x="0" y="0"/>
+          <a:chExt cx="0" cy="0"/>
+        </a:xfrm>
+      </p:grpSpPr>
+      <p:sp>
+        <p:nvSpPr>
+          <p:cNvPr id="2" name="Title 1"/>
+          <p:cNvSpPr>
+            <a:spLocks noGrp="1"/>
+          </p:cNvSpPr>
+          <p:nvPr>
+            <p:ph type="title"/>
+          </p:nvPr>
+        </p:nvSpPr>
+        <p:spPr/>
+        <p:txBody>
+          <a:bodyPr/>
+          <a:lstStyle/>
+          <a:p>
+            <a:r>
+              <a:rPr lang="en-US" dirty="0" err="1" smtClean="0"/>
+              <a:t>Penyempurnaan</a:t>
+            </a:r>
+            <a:endParaRPr lang="en-SG" dirty="0"/>
+          </a:p>
+        </p:txBody>
+      </p:sp>
+      <p:sp>
+        <p:nvSpPr>
+          <p:cNvPr id="3" name="Content Placeholder 2"/>
+          <p:cNvSpPr>
+            <a:spLocks noGrp="1"/>
+          </p:cNvSpPr>
+          <p:nvPr>
+            <p:ph idx="1"/>
+          </p:nvPr>
+        </p:nvSpPr>
+        <p:spPr/>
+        <p:txBody>
+          <a:bodyPr/>
+          <a:lstStyle/>
+          <a:p>
+            <a:endParaRPr lang="en-SG"/>
+          </a:p>
+        </p:txBody>
+      </p:sp>
+    </p:spTree>
+  </p:cSld>
+  <p:clrMapOvr>
+    <a:masterClrMapping/>
+  </p:clrMapOvr>
+</p:sld>
+</file>
+
+<file path=ppt/slides/slide6.xml><?xml version="1.0" encoding="utf-8"?>
+<p:sld xmlns:a="http://schemas.openxmlformats.org/drawingml/2006/main" xmlns:r="http://schemas.openxmlformats.org/officeDocument/2006/relationships" xmlns:p="http://schemas.openxmlformats.org/presentationml/2006/main">
+  <p:cSld>
+    <p:spTree>
+      <p:nvGrpSpPr>
+        <p:cNvPr id="1" name=""/>
+        <p:cNvGrpSpPr/>
+        <p:nvPr/>
+      </p:nvGrpSpPr>
+      <p:grpSpPr>
+        <a:xfrm>
+          <a:off x="0" y="0"/>
+          <a:ext cx="0" cy="0"/>
+          <a:chOff x="0" y="0"/>
+          <a:chExt cx="0" cy="0"/>
+        </a:xfrm>
+      </p:grpSpPr>
+      <p:sp>
+        <p:nvSpPr>
+          <p:cNvPr id="2" name="Title 1"/>
+          <p:cNvSpPr>
+            <a:spLocks noGrp="1"/>
+          </p:cNvSpPr>
+          <p:nvPr>
+            <p:ph type="title"/>
+          </p:nvPr>
+        </p:nvSpPr>
+        <p:spPr/>
+        <p:txBody>
+          <a:bodyPr/>
+          <a:lstStyle/>
+          <a:p>
+            <a:r>
+              <a:rPr lang="en-US" dirty="0" err="1" smtClean="0"/>
+              <a:t>Ringkasan</a:t>
+            </a:r>
+            <a:r>
+              <a:rPr lang="en-US" dirty="0" smtClean="0"/>
+              <a:t> HTML &amp; CSS</a:t>
+            </a:r>
+            <a:endParaRPr lang="en-SG" dirty="0"/>
+          </a:p>
+        </p:txBody>
+      </p:sp>
+      <p:sp>
+        <p:nvSpPr>
+          <p:cNvPr id="3" name="Content Placeholder 2"/>
+          <p:cNvSpPr>
+            <a:spLocks noGrp="1"/>
+          </p:cNvSpPr>
+          <p:nvPr>
+            <p:ph idx="1"/>
+          </p:nvPr>
+        </p:nvSpPr>
+        <p:spPr/>
+        <p:txBody>
+          <a:bodyPr/>
+          <a:lstStyle/>
+          <a:p>
+            <a:endParaRPr lang="en-SG"/>
+          </a:p>
+        </p:txBody>
+      </p:sp>
+    </p:spTree>
+  </p:cSld>
+  <p:clrMapOvr>
+    <a:masterClrMapping/>
+  </p:clrMapOvr>
+</p:sld>
+</file>
+
+<file path=ppt/slides/slide7.xml><?xml version="1.0" encoding="utf-8"?>
+<p:sld xmlns:a="http://schemas.openxmlformats.org/drawingml/2006/main" xmlns:r="http://schemas.openxmlformats.org/officeDocument/2006/relationships" xmlns:p="http://schemas.openxmlformats.org/presentationml/2006/main">
+  <p:cSld>
+    <p:spTree>
+      <p:nvGrpSpPr>
+        <p:cNvPr id="1" name=""/>
+        <p:cNvGrpSpPr/>
+        <p:nvPr/>
+      </p:nvGrpSpPr>
+      <p:grpSpPr>
+        <a:xfrm>
+          <a:off x="0" y="0"/>
+          <a:ext cx="0" cy="0"/>
+          <a:chOff x="0" y="0"/>
+          <a:chExt cx="0" cy="0"/>
+        </a:xfrm>
+      </p:grpSpPr>
+      <p:sp>
+        <p:nvSpPr>
+          <p:cNvPr id="2" name="Title 1"/>
+          <p:cNvSpPr>
+            <a:spLocks noGrp="1"/>
+          </p:cNvSpPr>
+          <p:nvPr>
+            <p:ph type="title"/>
+          </p:nvPr>
+        </p:nvSpPr>
+        <p:spPr/>
+        <p:txBody>
+          <a:bodyPr/>
+          <a:lstStyle/>
+          <a:p>
+            <a:r>
+              <a:rPr lang="en-US" dirty="0" err="1" smtClean="0"/>
+              <a:t>Penutup</a:t>
+            </a:r>
+            <a:endParaRPr lang="en-SG" dirty="0"/>
+          </a:p>
+        </p:txBody>
+      </p:sp>
+      <p:sp>
+        <p:nvSpPr>
+          <p:cNvPr id="3" name="Content Placeholder 2"/>
+          <p:cNvSpPr>
+            <a:spLocks noGrp="1"/>
+          </p:cNvSpPr>
+          <p:nvPr>
+            <p:ph idx="1"/>
+          </p:nvPr>
+        </p:nvSpPr>
+        <p:spPr/>
+        <p:txBody>
+          <a:bodyPr/>
+          <a:lstStyle/>
+          <a:p>
+            <a:endParaRPr lang="en-SG" dirty="0"/>
+          </a:p>
+        </p:txBody>
+      </p:sp>
+    </p:spTree>
+  </p:cSld>
+  <p:clrMapOvr>
+    <a:masterClrMapping/>
+  </p:clrMapOvr>
+</p:sld>
+</file>
+
+<file path=ppt/slides/slide8.xml><?xml version="1.0" encoding="utf-8"?>
+<p:sld xmlns:a="http://schemas.openxmlformats.org/drawingml/2006/main" xmlns:r="http://schemas.openxmlformats.org/officeDocument/2006/relationships" xmlns:p="http://schemas.openxmlformats.org/presentationml/2006/main">
+  <p:cSld>
+    <p:spTree>
+      <p:nvGrpSpPr>
+        <p:cNvPr id="1" name=""/>
+        <p:cNvGrpSpPr/>
+        <p:nvPr/>
+      </p:nvGrpSpPr>
+      <p:grpSpPr>
+        <a:xfrm>
+          <a:off x="0" y="0"/>
+          <a:ext cx="0" cy="0"/>
+          <a:chOff x="0" y="0"/>
+          <a:chExt cx="0" cy="0"/>
+        </a:xfrm>
+      </p:grpSpPr>
+      <p:sp>
+        <p:nvSpPr>
+          <p:cNvPr id="2" name="Title 1"/>
+          <p:cNvSpPr>
+            <a:spLocks noGrp="1"/>
+          </p:cNvSpPr>
+          <p:nvPr>
+            <p:ph type="title"/>
+          </p:nvPr>
+        </p:nvSpPr>
+        <p:spPr/>
+        <p:txBody>
+          <a:bodyPr/>
+          <a:lstStyle/>
+          <a:p>
             <a:pPr algn="l"/>
             <a:r>
               <a:rPr lang="en-SG" b="1" dirty="0" err="1" smtClean="0">
@@ -4165,10 +4562,10 @@
           <p:nvPr/>
         </p:nvPicPr>
         <p:blipFill>
-          <a:blip r:embed="rId2">
+          <a:blip r:embed="rId2" cstate="print">
             <a:extLst>
               <a:ext uri="{28A0092B-C50C-407E-A947-70E740481C1C}">
-                <a14:useLocalDpi xmlns:a14="http://schemas.microsoft.com/office/drawing/2010/main" val="0"/>
+                <a14:useLocalDpi xmlns:a14="http://schemas.microsoft.com/office/drawing/2010/main" xmlns="" val="0"/>
               </a:ext>
             </a:extLst>
           </a:blip>
@@ -4191,14 +4588,14 @@
           </a:ln>
           <a:extLst>
             <a:ext uri="{909E8E84-426E-40DD-AFC4-6F175D3DCCD1}">
-              <a14:hiddenFill xmlns:a14="http://schemas.microsoft.com/office/drawing/2010/main">
+              <a14:hiddenFill xmlns:a14="http://schemas.microsoft.com/office/drawing/2010/main" xmlns="">
                 <a:solidFill>
                   <a:schemeClr val="accent1"/>
                 </a:solidFill>
               </a14:hiddenFill>
             </a:ext>
             <a:ext uri="{91240B29-F687-4F45-9708-019B960494DF}">
-              <a14:hiddenLine xmlns:a14="http://schemas.microsoft.com/office/drawing/2010/main" w="9525">
+              <a14:hiddenLine xmlns:a14="http://schemas.microsoft.com/office/drawing/2010/main" xmlns="" w="9525">
                 <a:solidFill>
                   <a:schemeClr val="tx1"/>
                 </a:solidFill>
@@ -4213,7 +4610,7 @@
     </p:spTree>
     <p:extLst>
       <p:ext uri="{BB962C8B-B14F-4D97-AF65-F5344CB8AC3E}">
-        <p14:creationId xmlns:p14="http://schemas.microsoft.com/office/powerpoint/2010/main" val="3757424860"/>
+        <p14:creationId xmlns:p14="http://schemas.microsoft.com/office/powerpoint/2010/main" xmlns="" val="3757424860"/>
       </p:ext>
     </p:extLst>
   </p:cSld>
